--- a/ProjectOne-Group4-ProjectProposal.pptx
+++ b/ProjectOne-Group4-ProjectProposal.pptx
@@ -275,7 +275,7 @@
           <a:p>
             <a:fld id="{4CDE23C7-78A4-413A-A84B-93D4CC0A9EB1}" type="datetimeFigureOut">
               <a:rPr lang="en-US" smtClean="0"/>
-              <a:t>5/23/23</a:t>
+              <a:t>5/24/23</a:t>
             </a:fld>
             <a:endParaRPr lang="en-US"/>
           </a:p>
@@ -478,7 +478,7 @@
           <a:p>
             <a:fld id="{4CDE23C7-78A4-413A-A84B-93D4CC0A9EB1}" type="datetimeFigureOut">
               <a:rPr lang="en-US" smtClean="0"/>
-              <a:t>5/23/23</a:t>
+              <a:t>5/24/23</a:t>
             </a:fld>
             <a:endParaRPr lang="en-US"/>
           </a:p>
@@ -686,7 +686,7 @@
           <a:p>
             <a:fld id="{4CDE23C7-78A4-413A-A84B-93D4CC0A9EB1}" type="datetimeFigureOut">
               <a:rPr lang="en-US" smtClean="0"/>
-              <a:t>5/23/23</a:t>
+              <a:t>5/24/23</a:t>
             </a:fld>
             <a:endParaRPr lang="en-US"/>
           </a:p>
@@ -884,7 +884,7 @@
           <a:p>
             <a:fld id="{4CDE23C7-78A4-413A-A84B-93D4CC0A9EB1}" type="datetimeFigureOut">
               <a:rPr lang="en-US" smtClean="0"/>
-              <a:t>5/23/23</a:t>
+              <a:t>5/24/23</a:t>
             </a:fld>
             <a:endParaRPr lang="en-US"/>
           </a:p>
@@ -1161,7 +1161,7 @@
           <a:p>
             <a:fld id="{4CDE23C7-78A4-413A-A84B-93D4CC0A9EB1}" type="datetimeFigureOut">
               <a:rPr lang="en-US" smtClean="0"/>
-              <a:t>5/23/23</a:t>
+              <a:t>5/24/23</a:t>
             </a:fld>
             <a:endParaRPr lang="en-US"/>
           </a:p>
@@ -1426,7 +1426,7 @@
           <a:p>
             <a:fld id="{4CDE23C7-78A4-413A-A84B-93D4CC0A9EB1}" type="datetimeFigureOut">
               <a:rPr lang="en-US" smtClean="0"/>
-              <a:t>5/23/23</a:t>
+              <a:t>5/24/23</a:t>
             </a:fld>
             <a:endParaRPr lang="en-US"/>
           </a:p>
@@ -1842,7 +1842,7 @@
           <a:p>
             <a:fld id="{4CDE23C7-78A4-413A-A84B-93D4CC0A9EB1}" type="datetimeFigureOut">
               <a:rPr lang="en-US" smtClean="0"/>
-              <a:t>5/23/23</a:t>
+              <a:t>5/24/23</a:t>
             </a:fld>
             <a:endParaRPr lang="en-US"/>
           </a:p>
@@ -1983,7 +1983,7 @@
           <a:p>
             <a:fld id="{4CDE23C7-78A4-413A-A84B-93D4CC0A9EB1}" type="datetimeFigureOut">
               <a:rPr lang="en-US" smtClean="0"/>
-              <a:t>5/23/23</a:t>
+              <a:t>5/24/23</a:t>
             </a:fld>
             <a:endParaRPr lang="en-US"/>
           </a:p>
@@ -2096,7 +2096,7 @@
           <a:p>
             <a:fld id="{4CDE23C7-78A4-413A-A84B-93D4CC0A9EB1}" type="datetimeFigureOut">
               <a:rPr lang="en-US" smtClean="0"/>
-              <a:t>5/23/23</a:t>
+              <a:t>5/24/23</a:t>
             </a:fld>
             <a:endParaRPr lang="en-US"/>
           </a:p>
@@ -2407,7 +2407,7 @@
           <a:p>
             <a:fld id="{4CDE23C7-78A4-413A-A84B-93D4CC0A9EB1}" type="datetimeFigureOut">
               <a:rPr lang="en-US" smtClean="0"/>
-              <a:t>5/23/23</a:t>
+              <a:t>5/24/23</a:t>
             </a:fld>
             <a:endParaRPr lang="en-US"/>
           </a:p>
@@ -2695,7 +2695,7 @@
           <a:p>
             <a:fld id="{4CDE23C7-78A4-413A-A84B-93D4CC0A9EB1}" type="datetimeFigureOut">
               <a:rPr lang="en-US" smtClean="0"/>
-              <a:t>5/23/23</a:t>
+              <a:t>5/24/23</a:t>
             </a:fld>
             <a:endParaRPr lang="en-US"/>
           </a:p>
@@ -2935,7 +2935,7 @@
             <a:fld id="{4CDE23C7-78A4-413A-A84B-93D4CC0A9EB1}" type="datetimeFigureOut">
               <a:rPr lang="en-US" smtClean="0"/>
               <a:pPr/>
-              <a:t>5/23/23</a:t>
+              <a:t>5/24/23</a:t>
             </a:fld>
             <a:endParaRPr lang="en-US" dirty="0"/>
           </a:p>
@@ -4054,7 +4054,7 @@
         </p:spPr>
         <p:txBody>
           <a:bodyPr>
-            <a:normAutofit fontScale="85000" lnSpcReduction="20000"/>
+            <a:normAutofit fontScale="70000" lnSpcReduction="20000"/>
           </a:bodyPr>
           <a:lstStyle/>
           <a:p>
@@ -4513,8 +4513,124 @@
                 <a:latin typeface="Calibri" panose="020F0502020204030204" pitchFamily="34" charset="0"/>
                 <a:cs typeface="Calibri" panose="020F0502020204030204" pitchFamily="34" charset="0"/>
               </a:rPr>
-              <a:t>&lt;TBD&gt;</a:t>
-            </a:r>
+              <a:t>Load the datasets</a:t>
+            </a:r>
+          </a:p>
+          <a:p>
+            <a:pPr lvl="1" algn="just">
+              <a:lnSpc>
+                <a:spcPct val="100000"/>
+              </a:lnSpc>
+              <a:spcBef>
+                <a:spcPts val="0"/>
+              </a:spcBef>
+            </a:pPr>
+            <a:r>
+              <a:rPr lang="en-US" sz="1900" dirty="0">
+                <a:latin typeface="Calibri" panose="020F0502020204030204" pitchFamily="34" charset="0"/>
+                <a:cs typeface="Calibri" panose="020F0502020204030204" pitchFamily="34" charset="0"/>
+              </a:rPr>
+              <a:t>Build Required Data Frames</a:t>
+            </a:r>
+          </a:p>
+          <a:p>
+            <a:pPr lvl="1" algn="just">
+              <a:lnSpc>
+                <a:spcPct val="100000"/>
+              </a:lnSpc>
+              <a:spcBef>
+                <a:spcPts val="0"/>
+              </a:spcBef>
+            </a:pPr>
+            <a:r>
+              <a:rPr lang="en-US" sz="1900" dirty="0">
+                <a:latin typeface="Calibri" panose="020F0502020204030204" pitchFamily="34" charset="0"/>
+                <a:cs typeface="Calibri" panose="020F0502020204030204" pitchFamily="34" charset="0"/>
+              </a:rPr>
+              <a:t>Clean DFs</a:t>
+            </a:r>
+          </a:p>
+          <a:p>
+            <a:pPr lvl="1" algn="just">
+              <a:lnSpc>
+                <a:spcPct val="100000"/>
+              </a:lnSpc>
+              <a:spcBef>
+                <a:spcPts val="0"/>
+              </a:spcBef>
+            </a:pPr>
+            <a:r>
+              <a:rPr lang="en-US" sz="1900" dirty="0">
+                <a:latin typeface="Calibri" panose="020F0502020204030204" pitchFamily="34" charset="0"/>
+                <a:cs typeface="Calibri" panose="020F0502020204030204" pitchFamily="34" charset="0"/>
+              </a:rPr>
+              <a:t>Sort DF</a:t>
+            </a:r>
+          </a:p>
+          <a:p>
+            <a:pPr lvl="1" algn="just">
+              <a:lnSpc>
+                <a:spcPct val="100000"/>
+              </a:lnSpc>
+              <a:spcBef>
+                <a:spcPts val="0"/>
+              </a:spcBef>
+            </a:pPr>
+            <a:r>
+              <a:rPr lang="en-US" sz="1900" dirty="0">
+                <a:latin typeface="Calibri" panose="020F0502020204030204" pitchFamily="34" charset="0"/>
+                <a:cs typeface="Calibri" panose="020F0502020204030204" pitchFamily="34" charset="0"/>
+              </a:rPr>
+              <a:t>Summarize DF, according to the questions to respond</a:t>
+            </a:r>
+          </a:p>
+          <a:p>
+            <a:pPr lvl="1" algn="just">
+              <a:lnSpc>
+                <a:spcPct val="100000"/>
+              </a:lnSpc>
+              <a:spcBef>
+                <a:spcPts val="0"/>
+              </a:spcBef>
+            </a:pPr>
+            <a:r>
+              <a:rPr lang="en-US" sz="1900" dirty="0">
+                <a:latin typeface="Calibri" panose="020F0502020204030204" pitchFamily="34" charset="0"/>
+                <a:cs typeface="Calibri" panose="020F0502020204030204" pitchFamily="34" charset="0"/>
+              </a:rPr>
+              <a:t>Plot appropriate Graphs</a:t>
+            </a:r>
+          </a:p>
+          <a:p>
+            <a:pPr lvl="1" algn="just">
+              <a:lnSpc>
+                <a:spcPct val="100000"/>
+              </a:lnSpc>
+              <a:spcBef>
+                <a:spcPts val="0"/>
+              </a:spcBef>
+            </a:pPr>
+            <a:r>
+              <a:rPr lang="en-US" sz="1900" dirty="0">
+                <a:latin typeface="Calibri" panose="020F0502020204030204" pitchFamily="34" charset="0"/>
+                <a:cs typeface="Calibri" panose="020F0502020204030204" pitchFamily="34" charset="0"/>
+              </a:rPr>
+              <a:t>Write the conclusions</a:t>
+            </a:r>
+          </a:p>
+          <a:p>
+            <a:pPr lvl="1" algn="just">
+              <a:lnSpc>
+                <a:spcPct val="100000"/>
+              </a:lnSpc>
+              <a:spcBef>
+                <a:spcPts val="0"/>
+              </a:spcBef>
+            </a:pPr>
+            <a:endParaRPr lang="en-US" sz="1900" dirty="0">
+              <a:latin typeface="Calibri" panose="020F0502020204030204" pitchFamily="34" charset="0"/>
+              <a:cs typeface="Calibri" panose="020F0502020204030204" pitchFamily="34" charset="0"/>
+            </a:endParaRPr>
           </a:p>
           <a:p>
             <a:pPr algn="just">
